--- a/presentation/CaptHook_Presentation.pptx
+++ b/presentation/CaptHook_Presentation.pptx
@@ -3060,6 +3060,24 @@
               <a:t>Andrew </a:t>
             </a:r>
             <a:r>
+              <a:rPr lang="en-US" sz="2400" b="1" dirty="0" smtClean="0">
+                <a:latin typeface="Cambria" panose="02040503050406030204" pitchFamily="18" charset="0"/>
+              </a:rPr>
+              <a:t>“</a:t>
+            </a:r>
+            <a:r>
+              <a:rPr lang="en-US" sz="2400" b="1" dirty="0" err="1" smtClean="0">
+                <a:latin typeface="Cambria" panose="02040503050406030204" pitchFamily="18" charset="0"/>
+              </a:rPr>
+              <a:t>Smee</a:t>
+            </a:r>
+            <a:r>
+              <a:rPr lang="en-US" sz="2400" b="1" dirty="0" smtClean="0">
+                <a:latin typeface="Cambria" panose="02040503050406030204" pitchFamily="18" charset="0"/>
+              </a:rPr>
+              <a:t>” </a:t>
+            </a:r>
+            <a:r>
               <a:rPr lang="en-US" sz="2400" b="1" dirty="0" err="1" smtClean="0">
                 <a:latin typeface="Cambria" panose="02040503050406030204" pitchFamily="18" charset="0"/>
               </a:rPr>
@@ -3079,20 +3097,41 @@
               <a:rPr lang="en-US" sz="2400" b="1" dirty="0" smtClean="0">
                 <a:latin typeface="Cambria" panose="02040503050406030204" pitchFamily="18" charset="0"/>
               </a:rPr>
-              <a:t>Matthew Dahlhausen</a:t>
-            </a:r>
-          </a:p>
-          <a:p>
+              <a:t>Matthew </a:t>
+            </a:r>
+            <a:r>
+              <a:rPr lang="en-US" sz="2400" b="1" dirty="0" smtClean="0">
+                <a:latin typeface="Cambria" panose="02040503050406030204" pitchFamily="18" charset="0"/>
+              </a:rPr>
+              <a:t>“</a:t>
+            </a:r>
+            <a:r>
+              <a:rPr lang="en-US" sz="2400" b="1" smtClean="0">
+                <a:latin typeface="Cambria" panose="02040503050406030204" pitchFamily="18" charset="0"/>
+              </a:rPr>
+              <a:t>Lost Boys” Dahlhausen</a:t>
+            </a:r>
             <a:endParaRPr lang="en-US" sz="2400" b="1" dirty="0" smtClean="0">
               <a:latin typeface="Cambria" panose="02040503050406030204" pitchFamily="18" charset="0"/>
             </a:endParaRPr>
           </a:p>
           <a:p>
+            <a:endParaRPr lang="en-US" sz="2400" b="1" dirty="0" smtClean="0">
+              <a:latin typeface="Cambria" panose="02040503050406030204" pitchFamily="18" charset="0"/>
+            </a:endParaRPr>
+          </a:p>
+          <a:p>
             <a:r>
               <a:rPr lang="en-US" sz="2400" b="1" dirty="0" smtClean="0">
                 <a:latin typeface="Cambria" panose="02040503050406030204" pitchFamily="18" charset="0"/>
               </a:rPr>
               <a:t>Luc </a:t>
+            </a:r>
+            <a:r>
+              <a:rPr lang="en-US" sz="2400" b="1" dirty="0" smtClean="0">
+                <a:latin typeface="Cambria" panose="02040503050406030204" pitchFamily="18" charset="0"/>
+              </a:rPr>
+              <a:t>“Tinkerbell” </a:t>
             </a:r>
             <a:r>
               <a:rPr lang="en-US" sz="2400" b="1" dirty="0" err="1" smtClean="0">
